--- a/BucketSort/Bucket Sort.pptx
+++ b/BucketSort/Bucket Sort.pptx
@@ -5,10 +5,10 @@
     <p:sldMasterId id="2147483648" r:id="rId4"/>
   </p:sldMasterIdLst>
   <p:notesMasterIdLst>
-    <p:notesMasterId r:id="rId33"/>
+    <p:notesMasterId r:id="rId34"/>
   </p:notesMasterIdLst>
   <p:handoutMasterIdLst>
-    <p:handoutMasterId r:id="rId34"/>
+    <p:handoutMasterId r:id="rId35"/>
   </p:handoutMasterIdLst>
   <p:sldIdLst>
     <p:sldId id="256" r:id="rId5"/>
@@ -39,6 +39,7 @@
     <p:sldId id="281" r:id="rId30"/>
     <p:sldId id="283" r:id="rId31"/>
     <p:sldId id="284" r:id="rId32"/>
+    <p:sldId id="285" r:id="rId33"/>
   </p:sldIdLst>
   <p:sldSz cx="12192000" cy="6858000"/>
   <p:notesSz cx="6858000" cy="9144000"/>
@@ -244,7 +245,7 @@
             <a:fld id="{D4FBF263-DEC6-4A9D-8C97-B85A8CB8C50E}" type="datetime1">
               <a:rPr lang="pt-BR" smtClean="0"/>
               <a:pPr algn="r" rtl="0"/>
-              <a:t>23/08/2018</a:t>
+              <a:t>25/08/2018</a:t>
             </a:fld>
             <a:endParaRPr lang="pt-BR" dirty="0"/>
           </a:p>
@@ -414,7 +415,7 @@
             <a:fld id="{8C123CB6-8505-484D-AD49-CCA5FF708E8E}" type="datetime1">
               <a:rPr lang="pt-BR" noProof="0" smtClean="0"/>
               <a:pPr/>
-              <a:t>23/08/2018</a:t>
+              <a:t>25/08/2018</a:t>
             </a:fld>
             <a:endParaRPr lang="pt-BR" noProof="0" dirty="0"/>
           </a:p>
@@ -1061,7 +1062,7 @@
             <a:fld id="{332DDEFA-DB5B-4288-BFD4-28EED68507B6}" type="datetime1">
               <a:rPr lang="pt-BR" noProof="0" smtClean="0"/>
               <a:pPr/>
-              <a:t>23/08/2018</a:t>
+              <a:t>25/08/2018</a:t>
             </a:fld>
             <a:endParaRPr lang="pt-BR" noProof="0" dirty="0"/>
           </a:p>
@@ -1253,7 +1254,7 @@
             <a:fld id="{22BFE731-CCCB-4F3F-8490-9D481963C25C}" type="datetime1">
               <a:rPr lang="pt-BR" noProof="0" smtClean="0"/>
               <a:pPr/>
-              <a:t>23/08/2018</a:t>
+              <a:t>25/08/2018</a:t>
             </a:fld>
             <a:endParaRPr lang="pt-BR" noProof="0" dirty="0"/>
           </a:p>
@@ -1439,7 +1440,7 @@
             <a:fld id="{9509B53E-5F46-420C-9FC5-DAEB88ACCC36}" type="datetime1">
               <a:rPr lang="pt-BR" noProof="0" smtClean="0"/>
               <a:pPr/>
-              <a:t>23/08/2018</a:t>
+              <a:t>25/08/2018</a:t>
             </a:fld>
             <a:endParaRPr lang="pt-BR" noProof="0" dirty="0"/>
           </a:p>
@@ -1887,7 +1888,7 @@
             <a:fld id="{E7E64EAC-5602-4386-82F0-40AD884218D6}" type="datetime1">
               <a:rPr lang="pt-BR" noProof="0" smtClean="0"/>
               <a:pPr/>
-              <a:t>23/08/2018</a:t>
+              <a:t>25/08/2018</a:t>
             </a:fld>
             <a:endParaRPr lang="pt-BR" noProof="0" dirty="0"/>
           </a:p>
@@ -2339,7 +2340,7 @@
             <a:fld id="{7A9F0ECE-4690-40DC-8016-3D7B9FECC6A6}" type="datetime1">
               <a:rPr lang="pt-BR" noProof="0" smtClean="0"/>
               <a:pPr/>
-              <a:t>23/08/2018</a:t>
+              <a:t>25/08/2018</a:t>
             </a:fld>
             <a:endParaRPr lang="pt-BR" noProof="0" dirty="0"/>
           </a:p>
@@ -2469,7 +2470,7 @@
             <a:fld id="{7D2E0B61-5964-4D91-A168-D7CB792A2B2D}" type="datetime1">
               <a:rPr lang="pt-BR" noProof="0" smtClean="0"/>
               <a:pPr/>
-              <a:t>23/08/2018</a:t>
+              <a:t>25/08/2018</a:t>
             </a:fld>
             <a:endParaRPr lang="pt-BR" noProof="0" dirty="0"/>
           </a:p>
@@ -2571,7 +2572,7 @@
             <a:fld id="{14555902-7965-4B4C-B9FC-820C063D4756}" type="datetime1">
               <a:rPr lang="pt-BR" noProof="0" smtClean="0"/>
               <a:pPr/>
-              <a:t>23/08/2018</a:t>
+              <a:t>25/08/2018</a:t>
             </a:fld>
             <a:endParaRPr lang="pt-BR" noProof="0" dirty="0"/>
           </a:p>
@@ -2863,7 +2864,7 @@
             <a:fld id="{297EB872-3A44-4095-8573-160D8312FA73}" type="datetime1">
               <a:rPr lang="pt-BR" noProof="0" smtClean="0"/>
               <a:pPr/>
-              <a:t>23/08/2018</a:t>
+              <a:t>25/08/2018</a:t>
             </a:fld>
             <a:endParaRPr lang="pt-BR" noProof="0" dirty="0"/>
           </a:p>
@@ -3185,7 +3186,7 @@
             <a:fld id="{550E4E7D-D0A9-4DEE-9266-00B85AF59F3B}" type="datetime1">
               <a:rPr lang="pt-BR" noProof="0" smtClean="0"/>
               <a:pPr/>
-              <a:t>23/08/2018</a:t>
+              <a:t>25/08/2018</a:t>
             </a:fld>
             <a:endParaRPr lang="pt-BR" noProof="0" dirty="0"/>
           </a:p>
@@ -3400,7 +3401,7 @@
             <a:fld id="{E436AF61-35ED-497B-AFBC-44E1662D60CA}" type="datetime1">
               <a:rPr lang="pt-BR" noProof="0" smtClean="0"/>
               <a:pPr/>
-              <a:t>23/08/2018</a:t>
+              <a:t>25/08/2018</a:t>
             </a:fld>
             <a:endParaRPr lang="pt-BR" noProof="0" dirty="0"/>
           </a:p>
@@ -5701,11 +5702,11 @@
   <p:clrMapOvr>
     <a:masterClrMapping/>
   </p:clrMapOvr>
-  <mc:AlternateContent xmlns:mc="http://schemas.openxmlformats.org/markup-compatibility/2006">
-    <mc:Choice xmlns:p14="http://schemas.microsoft.com/office/powerpoint/2010/main" Requires="p14">
+  <mc:AlternateContent xmlns:mc="http://schemas.openxmlformats.org/markup-compatibility/2006" xmlns:p14="http://schemas.microsoft.com/office/powerpoint/2010/main">
+    <mc:Choice Requires="p14">
       <p:transition spd="slow" p14:dur="2000" advClick="0" advTm="1000"/>
     </mc:Choice>
-    <mc:Fallback>
+    <mc:Fallback xmlns="">
       <p:transition spd="slow" advClick="0" advTm="1000"/>
     </mc:Fallback>
   </mc:AlternateContent>
@@ -7491,11 +7492,11 @@
   <p:clrMapOvr>
     <a:masterClrMapping/>
   </p:clrMapOvr>
-  <mc:AlternateContent xmlns:mc="http://schemas.openxmlformats.org/markup-compatibility/2006">
-    <mc:Choice xmlns:p14="http://schemas.microsoft.com/office/powerpoint/2010/main" Requires="p14">
+  <mc:AlternateContent xmlns:mc="http://schemas.openxmlformats.org/markup-compatibility/2006" xmlns:p14="http://schemas.microsoft.com/office/powerpoint/2010/main">
+    <mc:Choice Requires="p14">
       <p:transition spd="slow" p14:dur="2000" advClick="0" advTm="1000"/>
     </mc:Choice>
-    <mc:Fallback>
+    <mc:Fallback xmlns="">
       <p:transition spd="slow" advClick="0" advTm="1000"/>
     </mc:Fallback>
   </mc:AlternateContent>
@@ -9327,11 +9328,11 @@
   <p:clrMapOvr>
     <a:masterClrMapping/>
   </p:clrMapOvr>
-  <mc:AlternateContent xmlns:mc="http://schemas.openxmlformats.org/markup-compatibility/2006">
-    <mc:Choice xmlns:p14="http://schemas.microsoft.com/office/powerpoint/2010/main" Requires="p14">
+  <mc:AlternateContent xmlns:mc="http://schemas.openxmlformats.org/markup-compatibility/2006" xmlns:p14="http://schemas.microsoft.com/office/powerpoint/2010/main">
+    <mc:Choice Requires="p14">
       <p:transition spd="slow" p14:dur="2000" advClick="0" advTm="1000"/>
     </mc:Choice>
-    <mc:Fallback>
+    <mc:Fallback xmlns="">
       <p:transition spd="slow" advClick="0" advTm="1000"/>
     </mc:Fallback>
   </mc:AlternateContent>
@@ -11209,11 +11210,11 @@
   <p:clrMapOvr>
     <a:masterClrMapping/>
   </p:clrMapOvr>
-  <mc:AlternateContent xmlns:mc="http://schemas.openxmlformats.org/markup-compatibility/2006">
-    <mc:Choice xmlns:p14="http://schemas.microsoft.com/office/powerpoint/2010/main" Requires="p14">
+  <mc:AlternateContent xmlns:mc="http://schemas.openxmlformats.org/markup-compatibility/2006" xmlns:p14="http://schemas.microsoft.com/office/powerpoint/2010/main">
+    <mc:Choice Requires="p14">
       <p:transition spd="slow" p14:dur="2000" advClick="0" advTm="1000"/>
     </mc:Choice>
-    <mc:Fallback>
+    <mc:Fallback xmlns="">
       <p:transition spd="slow" advClick="0" advTm="1000"/>
     </mc:Fallback>
   </mc:AlternateContent>
@@ -13137,11 +13138,11 @@
   <p:clrMapOvr>
     <a:masterClrMapping/>
   </p:clrMapOvr>
-  <mc:AlternateContent xmlns:mc="http://schemas.openxmlformats.org/markup-compatibility/2006">
-    <mc:Choice xmlns:p14="http://schemas.microsoft.com/office/powerpoint/2010/main" Requires="p14">
+  <mc:AlternateContent xmlns:mc="http://schemas.openxmlformats.org/markup-compatibility/2006" xmlns:p14="http://schemas.microsoft.com/office/powerpoint/2010/main">
+    <mc:Choice Requires="p14">
       <p:transition spd="slow" p14:dur="2000" advClick="0" advTm="1000"/>
     </mc:Choice>
-    <mc:Fallback>
+    <mc:Fallback xmlns="">
       <p:transition spd="slow" advClick="0" advTm="1000"/>
     </mc:Fallback>
   </mc:AlternateContent>
@@ -15111,11 +15112,11 @@
   <p:clrMapOvr>
     <a:masterClrMapping/>
   </p:clrMapOvr>
-  <mc:AlternateContent xmlns:mc="http://schemas.openxmlformats.org/markup-compatibility/2006">
-    <mc:Choice xmlns:p14="http://schemas.microsoft.com/office/powerpoint/2010/main" Requires="p14">
+  <mc:AlternateContent xmlns:mc="http://schemas.openxmlformats.org/markup-compatibility/2006" xmlns:p14="http://schemas.microsoft.com/office/powerpoint/2010/main">
+    <mc:Choice Requires="p14">
       <p:transition spd="slow" p14:dur="2000" advClick="0" advTm="1000"/>
     </mc:Choice>
-    <mc:Fallback>
+    <mc:Fallback xmlns="">
       <p:transition spd="slow" advClick="0" advTm="1000"/>
     </mc:Fallback>
   </mc:AlternateContent>
@@ -17131,11 +17132,11 @@
   <p:clrMapOvr>
     <a:masterClrMapping/>
   </p:clrMapOvr>
-  <mc:AlternateContent xmlns:mc="http://schemas.openxmlformats.org/markup-compatibility/2006">
-    <mc:Choice xmlns:p14="http://schemas.microsoft.com/office/powerpoint/2010/main" Requires="p14">
+  <mc:AlternateContent xmlns:mc="http://schemas.openxmlformats.org/markup-compatibility/2006" xmlns:p14="http://schemas.microsoft.com/office/powerpoint/2010/main">
+    <mc:Choice Requires="p14">
       <p:transition spd="slow" p14:dur="2000" advClick="0" advTm="1000"/>
     </mc:Choice>
-    <mc:Fallback>
+    <mc:Fallback xmlns="">
       <p:transition spd="slow" advClick="0" advTm="1000"/>
     </mc:Fallback>
   </mc:AlternateContent>
@@ -19197,11 +19198,11 @@
   <p:clrMapOvr>
     <a:masterClrMapping/>
   </p:clrMapOvr>
-  <mc:AlternateContent xmlns:mc="http://schemas.openxmlformats.org/markup-compatibility/2006">
-    <mc:Choice xmlns:p14="http://schemas.microsoft.com/office/powerpoint/2010/main" Requires="p14">
+  <mc:AlternateContent xmlns:mc="http://schemas.openxmlformats.org/markup-compatibility/2006" xmlns:p14="http://schemas.microsoft.com/office/powerpoint/2010/main">
+    <mc:Choice Requires="p14">
       <p:transition spd="slow" p14:dur="2000" advClick="0" advTm="1000"/>
     </mc:Choice>
-    <mc:Fallback>
+    <mc:Fallback xmlns="">
       <p:transition spd="slow" advClick="0" advTm="1000"/>
     </mc:Fallback>
   </mc:AlternateContent>
@@ -21309,11 +21310,11 @@
   <p:clrMapOvr>
     <a:masterClrMapping/>
   </p:clrMapOvr>
-  <mc:AlternateContent xmlns:mc="http://schemas.openxmlformats.org/markup-compatibility/2006">
-    <mc:Choice xmlns:p14="http://schemas.microsoft.com/office/powerpoint/2010/main" Requires="p14">
+  <mc:AlternateContent xmlns:mc="http://schemas.openxmlformats.org/markup-compatibility/2006" xmlns:p14="http://schemas.microsoft.com/office/powerpoint/2010/main">
+    <mc:Choice Requires="p14">
       <p:transition spd="slow" p14:dur="2000" advClick="0" advTm="1000"/>
     </mc:Choice>
-    <mc:Fallback>
+    <mc:Fallback xmlns="">
       <p:transition spd="slow" advClick="0" advTm="1000"/>
     </mc:Fallback>
   </mc:AlternateContent>
@@ -23467,11 +23468,11 @@
   <p:clrMapOvr>
     <a:masterClrMapping/>
   </p:clrMapOvr>
-  <mc:AlternateContent xmlns:mc="http://schemas.openxmlformats.org/markup-compatibility/2006">
-    <mc:Choice xmlns:p14="http://schemas.microsoft.com/office/powerpoint/2010/main" Requires="p14">
+  <mc:AlternateContent xmlns:mc="http://schemas.openxmlformats.org/markup-compatibility/2006" xmlns:p14="http://schemas.microsoft.com/office/powerpoint/2010/main">
+    <mc:Choice Requires="p14">
       <p:transition spd="slow" p14:dur="2000" advClick="0" advTm="1000"/>
     </mc:Choice>
-    <mc:Fallback>
+    <mc:Fallback xmlns="">
       <p:transition spd="slow" advClick="0" advTm="1000"/>
     </mc:Fallback>
   </mc:AlternateContent>
@@ -25773,11 +25774,11 @@
   <p:clrMapOvr>
     <a:masterClrMapping/>
   </p:clrMapOvr>
-  <mc:AlternateContent xmlns:mc="http://schemas.openxmlformats.org/markup-compatibility/2006">
-    <mc:Choice xmlns:p14="http://schemas.microsoft.com/office/powerpoint/2010/main" Requires="p14">
+  <mc:AlternateContent xmlns:mc="http://schemas.openxmlformats.org/markup-compatibility/2006" xmlns:p14="http://schemas.microsoft.com/office/powerpoint/2010/main">
+    <mc:Choice Requires="p14">
       <p:transition spd="slow" p14:dur="2000" advClick="0" advTm="1000"/>
     </mc:Choice>
-    <mc:Fallback>
+    <mc:Fallback xmlns="">
       <p:transition spd="slow" advClick="0" advTm="1000"/>
     </mc:Fallback>
   </mc:AlternateContent>
@@ -28023,11 +28024,11 @@
   <p:clrMapOvr>
     <a:masterClrMapping/>
   </p:clrMapOvr>
-  <mc:AlternateContent xmlns:mc="http://schemas.openxmlformats.org/markup-compatibility/2006">
-    <mc:Choice xmlns:p14="http://schemas.microsoft.com/office/powerpoint/2010/main" Requires="p14">
+  <mc:AlternateContent xmlns:mc="http://schemas.openxmlformats.org/markup-compatibility/2006" xmlns:p14="http://schemas.microsoft.com/office/powerpoint/2010/main">
+    <mc:Choice Requires="p14">
       <p:transition spd="slow" p14:dur="2000" advClick="0" advTm="1000"/>
     </mc:Choice>
-    <mc:Fallback>
+    <mc:Fallback xmlns="">
       <p:transition spd="slow" advClick="0" advTm="1000"/>
     </mc:Fallback>
   </mc:AlternateContent>
@@ -30319,11 +30320,11 @@
   <p:clrMapOvr>
     <a:masterClrMapping/>
   </p:clrMapOvr>
-  <mc:AlternateContent xmlns:mc="http://schemas.openxmlformats.org/markup-compatibility/2006">
-    <mc:Choice xmlns:p14="http://schemas.microsoft.com/office/powerpoint/2010/main" Requires="p14">
+  <mc:AlternateContent xmlns:mc="http://schemas.openxmlformats.org/markup-compatibility/2006" xmlns:p14="http://schemas.microsoft.com/office/powerpoint/2010/main">
+    <mc:Choice Requires="p14">
       <p:transition spd="slow" p14:dur="2000" advClick="0" advTm="1000"/>
     </mc:Choice>
-    <mc:Fallback>
+    <mc:Fallback xmlns="">
       <p:transition spd="slow" advClick="0" advTm="1000"/>
     </mc:Fallback>
   </mc:AlternateContent>
@@ -32661,11 +32662,11 @@
   <p:clrMapOvr>
     <a:masterClrMapping/>
   </p:clrMapOvr>
-  <mc:AlternateContent xmlns:mc="http://schemas.openxmlformats.org/markup-compatibility/2006">
-    <mc:Choice xmlns:p14="http://schemas.microsoft.com/office/powerpoint/2010/main" Requires="p14">
+  <mc:AlternateContent xmlns:mc="http://schemas.openxmlformats.org/markup-compatibility/2006" xmlns:p14="http://schemas.microsoft.com/office/powerpoint/2010/main">
+    <mc:Choice Requires="p14">
       <p:transition spd="slow" p14:dur="2000" advClick="0" advTm="1000"/>
     </mc:Choice>
-    <mc:Fallback>
+    <mc:Fallback xmlns="">
       <p:transition spd="slow" advClick="0" advTm="1000"/>
     </mc:Fallback>
   </mc:AlternateContent>
@@ -35049,11 +35050,11 @@
   <p:clrMapOvr>
     <a:masterClrMapping/>
   </p:clrMapOvr>
-  <mc:AlternateContent xmlns:mc="http://schemas.openxmlformats.org/markup-compatibility/2006">
-    <mc:Choice xmlns:p14="http://schemas.microsoft.com/office/powerpoint/2010/main" Requires="p14">
+  <mc:AlternateContent xmlns:mc="http://schemas.openxmlformats.org/markup-compatibility/2006" xmlns:p14="http://schemas.microsoft.com/office/powerpoint/2010/main">
+    <mc:Choice Requires="p14">
       <p:transition spd="slow" p14:dur="2000" advClick="0" advTm="1000"/>
     </mc:Choice>
-    <mc:Fallback>
+    <mc:Fallback xmlns="">
       <p:transition spd="slow" advClick="0" advTm="1000"/>
     </mc:Fallback>
   </mc:AlternateContent>
@@ -37482,11 +37483,11 @@
   <p:clrMapOvr>
     <a:masterClrMapping/>
   </p:clrMapOvr>
-  <mc:AlternateContent xmlns:mc="http://schemas.openxmlformats.org/markup-compatibility/2006">
-    <mc:Choice xmlns:p14="http://schemas.microsoft.com/office/powerpoint/2010/main" Requires="p14">
+  <mc:AlternateContent xmlns:mc="http://schemas.openxmlformats.org/markup-compatibility/2006" xmlns:p14="http://schemas.microsoft.com/office/powerpoint/2010/main">
+    <mc:Choice Requires="p14">
       <p:transition spd="slow" p14:dur="2000" advClick="0" advTm="1000"/>
     </mc:Choice>
-    <mc:Fallback>
+    <mc:Fallback xmlns="">
       <p:transition spd="slow" advClick="0" advTm="1000"/>
     </mc:Fallback>
   </mc:AlternateContent>
@@ -39879,11 +39880,11 @@
   <p:clrMapOvr>
     <a:masterClrMapping/>
   </p:clrMapOvr>
-  <mc:AlternateContent xmlns:mc="http://schemas.openxmlformats.org/markup-compatibility/2006">
-    <mc:Choice xmlns:p14="http://schemas.microsoft.com/office/powerpoint/2010/main" Requires="p14">
+  <mc:AlternateContent xmlns:mc="http://schemas.openxmlformats.org/markup-compatibility/2006" xmlns:p14="http://schemas.microsoft.com/office/powerpoint/2010/main">
+    <mc:Choice Requires="p14">
       <p:transition spd="slow" p14:dur="2000"/>
     </mc:Choice>
-    <mc:Fallback>
+    <mc:Fallback xmlns="">
       <p:transition spd="slow"/>
     </mc:Fallback>
   </mc:AlternateContent>
@@ -40074,6 +40075,90 @@
 </p:sld>
 </file>
 
+<file path=ppt/slides/slide29.xml><?xml version="1.0" encoding="utf-8"?>
+<p:sld xmlns:a="http://schemas.openxmlformats.org/drawingml/2006/main" xmlns:r="http://schemas.openxmlformats.org/officeDocument/2006/relationships" xmlns:p="http://schemas.openxmlformats.org/presentationml/2006/main">
+  <p:cSld>
+    <p:spTree>
+      <p:nvGrpSpPr>
+        <p:cNvPr id="1" name=""/>
+        <p:cNvGrpSpPr/>
+        <p:nvPr/>
+      </p:nvGrpSpPr>
+      <p:grpSpPr>
+        <a:xfrm>
+          <a:off x="0" y="0"/>
+          <a:ext cx="0" cy="0"/>
+          <a:chOff x="0" y="0"/>
+          <a:chExt cx="0" cy="0"/>
+        </a:xfrm>
+      </p:grpSpPr>
+      <p:sp>
+        <p:nvSpPr>
+          <p:cNvPr id="2" name="Título 1"/>
+          <p:cNvSpPr>
+            <a:spLocks noGrp="1"/>
+          </p:cNvSpPr>
+          <p:nvPr>
+            <p:ph type="title"/>
+          </p:nvPr>
+        </p:nvSpPr>
+        <p:spPr/>
+        <p:txBody>
+          <a:bodyPr/>
+          <a:lstStyle/>
+          <a:p>
+            <a:r>
+              <a:rPr lang="pt-BR" dirty="0" smtClean="0"/>
+              <a:t>Código disponível em:</a:t>
+            </a:r>
+            <a:endParaRPr lang="pt-BR" dirty="0"/>
+          </a:p>
+        </p:txBody>
+      </p:sp>
+      <p:sp>
+        <p:nvSpPr>
+          <p:cNvPr id="3" name="Espaço Reservado para Conteúdo 2"/>
+          <p:cNvSpPr>
+            <a:spLocks noGrp="1"/>
+          </p:cNvSpPr>
+          <p:nvPr>
+            <p:ph idx="1"/>
+          </p:nvPr>
+        </p:nvSpPr>
+        <p:spPr/>
+        <p:txBody>
+          <a:bodyPr/>
+          <a:lstStyle/>
+          <a:p>
+            <a:r>
+              <a:rPr lang="pt-BR" dirty="0">
+                <a:hlinkClick r:id="rId2"/>
+              </a:rPr>
+              <a:t>https://</a:t>
+            </a:r>
+            <a:r>
+              <a:rPr lang="pt-BR" dirty="0" smtClean="0">
+                <a:hlinkClick r:id="rId2"/>
+              </a:rPr>
+              <a:t>github.com/CesarAugustoMor/PRA-Trabalhos/tree/master/BucketSort</a:t>
+            </a:r>
+            <a:endParaRPr lang="pt-BR" dirty="0" smtClean="0"/>
+          </a:p>
+        </p:txBody>
+      </p:sp>
+    </p:spTree>
+    <p:extLst>
+      <p:ext uri="{BB962C8B-B14F-4D97-AF65-F5344CB8AC3E}">
+        <p14:creationId xmlns:p14="http://schemas.microsoft.com/office/powerpoint/2010/main" val="3472414679"/>
+      </p:ext>
+    </p:extLst>
+  </p:cSld>
+  <p:clrMapOvr>
+    <a:masterClrMapping/>
+  </p:clrMapOvr>
+</p:sld>
+</file>
+
 <file path=ppt/slides/slide3.xml><?xml version="1.0" encoding="utf-8"?>
 <p:sld xmlns:a="http://schemas.openxmlformats.org/drawingml/2006/main" xmlns:r="http://schemas.openxmlformats.org/officeDocument/2006/relationships" xmlns:p="http://schemas.openxmlformats.org/presentationml/2006/main">
   <p:cSld>
@@ -43083,11 +43168,11 @@
   <p:clrMapOvr>
     <a:masterClrMapping/>
   </p:clrMapOvr>
-  <mc:AlternateContent xmlns:mc="http://schemas.openxmlformats.org/markup-compatibility/2006">
-    <mc:Choice xmlns:p14="http://schemas.microsoft.com/office/powerpoint/2010/main" Requires="p14">
+  <mc:AlternateContent xmlns:mc="http://schemas.openxmlformats.org/markup-compatibility/2006" xmlns:p14="http://schemas.microsoft.com/office/powerpoint/2010/main">
+    <mc:Choice Requires="p14">
       <p:transition p14:dur="0" advClick="0" advTm="1000"/>
     </mc:Choice>
-    <mc:Fallback>
+    <mc:Fallback xmlns="">
       <p:transition advClick="0" advTm="1000"/>
     </mc:Fallback>
   </mc:AlternateContent>
@@ -44643,11 +44728,11 @@
   <p:clrMapOvr>
     <a:masterClrMapping/>
   </p:clrMapOvr>
-  <mc:AlternateContent xmlns:mc="http://schemas.openxmlformats.org/markup-compatibility/2006">
-    <mc:Choice xmlns:p14="http://schemas.microsoft.com/office/powerpoint/2010/main" Requires="p14">
+  <mc:AlternateContent xmlns:mc="http://schemas.openxmlformats.org/markup-compatibility/2006" xmlns:p14="http://schemas.microsoft.com/office/powerpoint/2010/main">
+    <mc:Choice Requires="p14">
       <p:transition spd="slow" p14:dur="2000" advClick="0" advTm="1000"/>
     </mc:Choice>
-    <mc:Fallback>
+    <mc:Fallback xmlns="">
       <p:transition spd="slow" advClick="0" advTm="1000"/>
     </mc:Fallback>
   </mc:AlternateContent>
@@ -46249,11 +46334,11 @@
   <p:clrMapOvr>
     <a:masterClrMapping/>
   </p:clrMapOvr>
-  <mc:AlternateContent xmlns:mc="http://schemas.openxmlformats.org/markup-compatibility/2006">
-    <mc:Choice xmlns:p14="http://schemas.microsoft.com/office/powerpoint/2010/main" Requires="p14">
+  <mc:AlternateContent xmlns:mc="http://schemas.openxmlformats.org/markup-compatibility/2006" xmlns:p14="http://schemas.microsoft.com/office/powerpoint/2010/main">
+    <mc:Choice Requires="p14">
       <p:transition spd="slow" p14:dur="2000" advClick="0" advTm="1000"/>
     </mc:Choice>
-    <mc:Fallback>
+    <mc:Fallback xmlns="">
       <p:transition spd="slow" advClick="0" advTm="1000"/>
     </mc:Fallback>
   </mc:AlternateContent>
@@ -47901,11 +47986,11 @@
   <p:clrMapOvr>
     <a:masterClrMapping/>
   </p:clrMapOvr>
-  <mc:AlternateContent xmlns:mc="http://schemas.openxmlformats.org/markup-compatibility/2006">
-    <mc:Choice xmlns:p14="http://schemas.microsoft.com/office/powerpoint/2010/main" Requires="p14">
+  <mc:AlternateContent xmlns:mc="http://schemas.openxmlformats.org/markup-compatibility/2006" xmlns:p14="http://schemas.microsoft.com/office/powerpoint/2010/main">
+    <mc:Choice Requires="p14">
       <p:transition spd="slow" p14:dur="2000" advClick="0" advTm="1000"/>
     </mc:Choice>
-    <mc:Fallback>
+    <mc:Fallback xmlns="">
       <p:transition spd="slow" advClick="0" advTm="1000"/>
     </mc:Fallback>
   </mc:AlternateContent>
@@ -49599,11 +49684,11 @@
   <p:clrMapOvr>
     <a:masterClrMapping/>
   </p:clrMapOvr>
-  <mc:AlternateContent xmlns:mc="http://schemas.openxmlformats.org/markup-compatibility/2006">
-    <mc:Choice xmlns:p14="http://schemas.microsoft.com/office/powerpoint/2010/main" Requires="p14">
+  <mc:AlternateContent xmlns:mc="http://schemas.openxmlformats.org/markup-compatibility/2006" xmlns:p14="http://schemas.microsoft.com/office/powerpoint/2010/main">
+    <mc:Choice Requires="p14">
       <p:transition spd="slow" p14:dur="2000" advClick="0" advTm="1000"/>
     </mc:Choice>
-    <mc:Fallback>
+    <mc:Fallback xmlns="">
       <p:transition spd="slow" advClick="0" advTm="1000"/>
     </mc:Fallback>
   </mc:AlternateContent>
@@ -50401,15 +50486,6 @@
 </file>
 
 <file path=customXml/item1.xml><?xml version="1.0" encoding="utf-8"?>
-<?mso-contentType ?>
-<FormTemplates xmlns="http://schemas.microsoft.com/sharepoint/v3/contenttype/forms">
-  <Display>DocumentLibraryForm</Display>
-  <Edit>AssetEditForm</Edit>
-  <New>DocumentLibraryForm</New>
-</FormTemplates>
-</file>
-
-<file path=customXml/item2.xml><?xml version="1.0" encoding="utf-8"?>
 <ct:contentTypeSchema xmlns:ct="http://schemas.microsoft.com/office/2006/metadata/contentType" xmlns:ma="http://schemas.microsoft.com/office/2006/metadata/properties/metaAttributes" ct:_="" ma:_="" ma:contentTypeName="TemplateFile" ma:contentTypeID="0x0101006EDDDB5EE6D98C44930B742096920B300400F5B6D36B3EF94B4E9A635CDF2A18F5B8" ma:contentTypeVersion="72" ma:contentTypeDescription="Create a new document." ma:contentTypeScope="" ma:versionID="a23e56308344d904b51738559c3d67c9">
   <xsd:schema xmlns:xsd="http://www.w3.org/2001/XMLSchema" xmlns:xs="http://www.w3.org/2001/XMLSchema" xmlns:p="http://schemas.microsoft.com/office/2006/metadata/properties" xmlns:ns2="4873beb7-5857-4685-be1f-d57550cc96cc" targetNamespace="http://schemas.microsoft.com/office/2006/metadata/properties" ma:root="true" ma:fieldsID="cd0908cc4600e77bf5da051303e00c8d" ns2:_="">
     <xsd:import namespace="4873beb7-5857-4685-be1f-d57550cc96cc"/>
@@ -51449,6 +51525,15 @@
 </ct:contentTypeSchema>
 </file>
 
+<file path=customXml/item2.xml><?xml version="1.0" encoding="utf-8"?>
+<?mso-contentType ?>
+<FormTemplates xmlns="http://schemas.microsoft.com/sharepoint/v3/contenttype/forms">
+  <Display>DocumentLibraryForm</Display>
+  <Edit>AssetEditForm</Edit>
+  <New>DocumentLibraryForm</New>
+</FormTemplates>
+</file>
+
 <file path=customXml/item3.xml><?xml version="1.0" encoding="utf-8"?>
 <p:properties xmlns:p="http://schemas.microsoft.com/office/2006/metadata/properties" xmlns:xsi="http://www.w3.org/2001/XMLSchema-instance" xmlns:pc="http://schemas.microsoft.com/office/infopath/2007/PartnerControls">
   <documentManagement>
@@ -51576,14 +51661,6 @@
 </file>
 
 <file path=customXml/itemProps1.xml><?xml version="1.0" encoding="utf-8"?>
-<ds:datastoreItem xmlns:ds="http://schemas.openxmlformats.org/officeDocument/2006/customXml" ds:itemID="{746CFF6F-D9AA-4BC0-911A-0A1356771912}">
-  <ds:schemaRefs>
-    <ds:schemaRef ds:uri="http://schemas.microsoft.com/sharepoint/v3/contenttype/forms"/>
-  </ds:schemaRefs>
-</ds:datastoreItem>
-</file>
-
-<file path=customXml/itemProps2.xml><?xml version="1.0" encoding="utf-8"?>
 <ds:datastoreItem xmlns:ds="http://schemas.openxmlformats.org/officeDocument/2006/customXml" ds:itemID="{0B5C6E15-39DC-470B-9445-F754B9458020}">
   <ds:schemaRefs>
     <ds:schemaRef ds:uri="http://schemas.microsoft.com/office/2006/metadata/contentType"/>
@@ -51601,18 +51678,26 @@
 </ds:datastoreItem>
 </file>
 
+<file path=customXml/itemProps2.xml><?xml version="1.0" encoding="utf-8"?>
+<ds:datastoreItem xmlns:ds="http://schemas.openxmlformats.org/officeDocument/2006/customXml" ds:itemID="{746CFF6F-D9AA-4BC0-911A-0A1356771912}">
+  <ds:schemaRefs>
+    <ds:schemaRef ds:uri="http://schemas.microsoft.com/sharepoint/v3/contenttype/forms"/>
+  </ds:schemaRefs>
+</ds:datastoreItem>
+</file>
+
 <file path=customXml/itemProps3.xml><?xml version="1.0" encoding="utf-8"?>
 <ds:datastoreItem xmlns:ds="http://schemas.openxmlformats.org/officeDocument/2006/customXml" ds:itemID="{04098515-0C12-46CF-BC7C-69B4A13CD5FA}">
   <ds:schemaRefs>
+    <ds:schemaRef ds:uri="http://purl.org/dc/terms/"/>
     <ds:schemaRef ds:uri="http://schemas.microsoft.com/office/2006/documentManagement/types"/>
+    <ds:schemaRef ds:uri="http://purl.org/dc/elements/1.1/"/>
+    <ds:schemaRef ds:uri="http://schemas.microsoft.com/office/2006/metadata/properties"/>
+    <ds:schemaRef ds:uri="http://schemas.microsoft.com/office/infopath/2007/PartnerControls"/>
+    <ds:schemaRef ds:uri="http://www.w3.org/XML/1998/namespace"/>
     <ds:schemaRef ds:uri="http://schemas.openxmlformats.org/package/2006/metadata/core-properties"/>
-    <ds:schemaRef ds:uri="http://purl.org/dc/elements/1.1/"/>
-    <ds:schemaRef ds:uri="http://www.w3.org/XML/1998/namespace"/>
+    <ds:schemaRef ds:uri="4873beb7-5857-4685-be1f-d57550cc96cc"/>
     <ds:schemaRef ds:uri="http://purl.org/dc/dcmitype/"/>
-    <ds:schemaRef ds:uri="http://purl.org/dc/terms/"/>
-    <ds:schemaRef ds:uri="http://schemas.microsoft.com/office/infopath/2007/PartnerControls"/>
-    <ds:schemaRef ds:uri="4873beb7-5857-4685-be1f-d57550cc96cc"/>
-    <ds:schemaRef ds:uri="http://schemas.microsoft.com/office/2006/metadata/properties"/>
   </ds:schemaRefs>
 </ds:datastoreItem>
 </file>